--- a/PPT/Vue.js  Course  layout.pptx
+++ b/PPT/Vue.js  Course  layout.pptx
@@ -194,7 +194,7 @@
             <a:fld id="{EA38CB6D-63C9-464B-889E-D8FE438905A2}" type="datetimeFigureOut">
               <a:rPr lang="ar-EG" smtClean="0"/>
               <a:pPr/>
-              <a:t>26/05/1440</a:t>
+              <a:t>27/05/1440</a:t>
             </a:fld>
             <a:endParaRPr lang="ar-EG"/>
           </a:p>
@@ -642,7 +642,7 @@
             <a:fld id="{1D8BD707-D9CF-40AE-B4C6-C98DA3205C09}" type="datetimeFigureOut">
               <a:rPr lang="en-US" smtClean="0"/>
               <a:pPr/>
-              <a:t>2/1/2019</a:t>
+              <a:t>2/2/2019</a:t>
             </a:fld>
             <a:endParaRPr lang="en-US"/>
           </a:p>
@@ -809,7 +809,7 @@
             <a:fld id="{1D8BD707-D9CF-40AE-B4C6-C98DA3205C09}" type="datetimeFigureOut">
               <a:rPr lang="en-US" smtClean="0"/>
               <a:pPr/>
-              <a:t>2/1/2019</a:t>
+              <a:t>2/2/2019</a:t>
             </a:fld>
             <a:endParaRPr lang="en-US"/>
           </a:p>
@@ -986,7 +986,7 @@
             <a:fld id="{1D8BD707-D9CF-40AE-B4C6-C98DA3205C09}" type="datetimeFigureOut">
               <a:rPr lang="en-US" smtClean="0"/>
               <a:pPr/>
-              <a:t>2/1/2019</a:t>
+              <a:t>2/2/2019</a:t>
             </a:fld>
             <a:endParaRPr lang="en-US"/>
           </a:p>
@@ -1153,7 +1153,7 @@
             <a:fld id="{1D8BD707-D9CF-40AE-B4C6-C98DA3205C09}" type="datetimeFigureOut">
               <a:rPr lang="en-US" smtClean="0"/>
               <a:pPr/>
-              <a:t>2/1/2019</a:t>
+              <a:t>2/2/2019</a:t>
             </a:fld>
             <a:endParaRPr lang="en-US"/>
           </a:p>
@@ -1396,7 +1396,7 @@
             <a:fld id="{1D8BD707-D9CF-40AE-B4C6-C98DA3205C09}" type="datetimeFigureOut">
               <a:rPr lang="en-US" smtClean="0"/>
               <a:pPr/>
-              <a:t>2/1/2019</a:t>
+              <a:t>2/2/2019</a:t>
             </a:fld>
             <a:endParaRPr lang="en-US"/>
           </a:p>
@@ -1681,7 +1681,7 @@
             <a:fld id="{1D8BD707-D9CF-40AE-B4C6-C98DA3205C09}" type="datetimeFigureOut">
               <a:rPr lang="en-US" smtClean="0"/>
               <a:pPr/>
-              <a:t>2/1/2019</a:t>
+              <a:t>2/2/2019</a:t>
             </a:fld>
             <a:endParaRPr lang="en-US"/>
           </a:p>
@@ -2100,7 +2100,7 @@
             <a:fld id="{1D8BD707-D9CF-40AE-B4C6-C98DA3205C09}" type="datetimeFigureOut">
               <a:rPr lang="en-US" smtClean="0"/>
               <a:pPr/>
-              <a:t>2/1/2019</a:t>
+              <a:t>2/2/2019</a:t>
             </a:fld>
             <a:endParaRPr lang="en-US"/>
           </a:p>
@@ -2215,7 +2215,7 @@
             <a:fld id="{1D8BD707-D9CF-40AE-B4C6-C98DA3205C09}" type="datetimeFigureOut">
               <a:rPr lang="en-US" smtClean="0"/>
               <a:pPr/>
-              <a:t>2/1/2019</a:t>
+              <a:t>2/2/2019</a:t>
             </a:fld>
             <a:endParaRPr lang="en-US"/>
           </a:p>
@@ -2307,7 +2307,7 @@
             <a:fld id="{1D8BD707-D9CF-40AE-B4C6-C98DA3205C09}" type="datetimeFigureOut">
               <a:rPr lang="en-US" smtClean="0"/>
               <a:pPr/>
-              <a:t>2/1/2019</a:t>
+              <a:t>2/2/2019</a:t>
             </a:fld>
             <a:endParaRPr lang="en-US"/>
           </a:p>
@@ -2581,7 +2581,7 @@
             <a:fld id="{1D8BD707-D9CF-40AE-B4C6-C98DA3205C09}" type="datetimeFigureOut">
               <a:rPr lang="en-US" smtClean="0"/>
               <a:pPr/>
-              <a:t>2/1/2019</a:t>
+              <a:t>2/2/2019</a:t>
             </a:fld>
             <a:endParaRPr lang="en-US"/>
           </a:p>
@@ -2831,7 +2831,7 @@
             <a:fld id="{1D8BD707-D9CF-40AE-B4C6-C98DA3205C09}" type="datetimeFigureOut">
               <a:rPr lang="en-US" smtClean="0"/>
               <a:pPr/>
-              <a:t>2/1/2019</a:t>
+              <a:t>2/2/2019</a:t>
             </a:fld>
             <a:endParaRPr lang="en-US"/>
           </a:p>
@@ -3041,7 +3041,7 @@
             <a:fld id="{1D8BD707-D9CF-40AE-B4C6-C98DA3205C09}" type="datetimeFigureOut">
               <a:rPr lang="en-US" smtClean="0"/>
               <a:pPr/>
-              <a:t>2/1/2019</a:t>
+              <a:t>2/2/2019</a:t>
             </a:fld>
             <a:endParaRPr lang="en-US"/>
           </a:p>
@@ -3539,7 +3539,7 @@
               <a:buAutoNum type="arabicPeriod"/>
             </a:pPr>
             <a:r>
-              <a:rPr lang="en-US" sz="2000" dirty="0" smtClean="0"/>
+              <a:rPr lang="en-US" sz="2000" b="1" dirty="0" smtClean="0"/>
               <a:t>JavaScript Quick review</a:t>
             </a:r>
           </a:p>
@@ -3549,6 +3549,10 @@
               <a:buAutoNum type="arabicPeriod"/>
             </a:pPr>
             <a:r>
+              <a:rPr lang="en-US" sz="2000" b="1" dirty="0" smtClean="0"/>
+              <a:t>Conditional rendering  </a:t>
+            </a:r>
+            <a:r>
               <a:rPr lang="en-US" sz="2000" dirty="0" smtClean="0"/>
               <a:t>v-if , v-else and </a:t>
             </a:r>
@@ -3567,6 +3571,22 @@
               <a:buAutoNum type="arabicPeriod"/>
             </a:pPr>
             <a:r>
+              <a:rPr lang="en-US" sz="2000" b="1" dirty="0" smtClean="0"/>
+              <a:t>List</a:t>
+            </a:r>
+            <a:r>
+              <a:rPr lang="en-US" sz="2000" dirty="0" smtClean="0"/>
+              <a:t> </a:t>
+            </a:r>
+            <a:r>
+              <a:rPr lang="en-US" sz="2000" b="1" dirty="0" smtClean="0"/>
+              <a:t>rendering </a:t>
+            </a:r>
+            <a:r>
+              <a:rPr lang="en-US" sz="2000" b="1" dirty="0" smtClean="0"/>
+              <a:t> </a:t>
+            </a:r>
+            <a:r>
               <a:rPr lang="en-US" sz="2000" dirty="0" smtClean="0"/>
               <a:t>v-for</a:t>
             </a:r>
@@ -3577,9 +3597,18 @@
               <a:buAutoNum type="arabicPeriod"/>
             </a:pPr>
             <a:r>
+              <a:rPr lang="en-US" sz="2000" b="1" dirty="0" smtClean="0"/>
+              <a:t>Class and style </a:t>
+            </a:r>
+            <a:r>
+              <a:rPr lang="en-US" sz="2000" b="1" dirty="0" smtClean="0"/>
+              <a:t>bindings </a:t>
+            </a:r>
+            <a:r>
               <a:rPr lang="en-US" sz="2000" dirty="0" smtClean="0"/>
-              <a:t>click events</a:t>
-            </a:r>
+              <a:t>:class and style</a:t>
+            </a:r>
+            <a:endParaRPr lang="en-US" sz="2000" dirty="0" smtClean="0"/>
           </a:p>
           <a:p>
             <a:pPr>
@@ -3587,9 +3616,18 @@
               <a:buAutoNum type="arabicPeriod"/>
             </a:pPr>
             <a:r>
+              <a:rPr lang="en-US" sz="2000" b="1" dirty="0" smtClean="0"/>
+              <a:t>Handle native DOM </a:t>
+            </a:r>
+            <a:r>
+              <a:rPr lang="en-US" sz="2000" b="1" dirty="0" smtClean="0"/>
+              <a:t>events : </a:t>
+            </a:r>
+            <a:r>
               <a:rPr lang="en-US" sz="2000" dirty="0" smtClean="0"/>
-              <a:t>input binding v-model</a:t>
-            </a:r>
+              <a:t>@click</a:t>
+            </a:r>
+            <a:endParaRPr lang="en-US" sz="2000" dirty="0" smtClean="0"/>
           </a:p>
           <a:p>
             <a:pPr>
@@ -3598,15 +3636,7 @@
             </a:pPr>
             <a:r>
               <a:rPr lang="en-US" sz="2000" dirty="0" smtClean="0"/>
-              <a:t>forms , </a:t>
-            </a:r>
-            <a:r>
-              <a:rPr lang="en-US" sz="2000" dirty="0" err="1" smtClean="0"/>
-              <a:t>Textarea</a:t>
-            </a:r>
-            <a:r>
-              <a:rPr lang="en-US" sz="2000" dirty="0" smtClean="0"/>
-              <a:t> , checkbox ,radio buttons</a:t>
+              <a:t>input binding v-model</a:t>
             </a:r>
           </a:p>
           <a:p>
@@ -3616,15 +3646,15 @@
             </a:pPr>
             <a:r>
               <a:rPr lang="en-US" sz="2000" dirty="0" smtClean="0"/>
-              <a:t>computed properties </a:t>
+              <a:t>forms , </a:t>
             </a:r>
             <a:r>
               <a:rPr lang="en-US" sz="2000" dirty="0" err="1" smtClean="0"/>
-              <a:t>vs</a:t>
+              <a:t>Textarea</a:t>
             </a:r>
             <a:r>
               <a:rPr lang="en-US" sz="2000" dirty="0" smtClean="0"/>
-              <a:t> watch</a:t>
+              <a:t> , checkbox ,radio buttons</a:t>
             </a:r>
           </a:p>
           <a:p>
@@ -3634,7 +3664,19 @@
             </a:pPr>
             <a:r>
               <a:rPr lang="en-US" sz="2000" dirty="0" smtClean="0"/>
-              <a:t>components ?</a:t>
+              <a:t>computed properties </a:t>
+            </a:r>
+            <a:r>
+              <a:rPr lang="en-US" sz="2000" dirty="0" err="1" smtClean="0"/>
+              <a:t>vs</a:t>
+            </a:r>
+            <a:r>
+              <a:rPr lang="en-US" sz="2000" dirty="0" smtClean="0"/>
+              <a:t> </a:t>
+            </a:r>
+            <a:r>
+              <a:rPr lang="en-US" sz="2000" dirty="0" smtClean="0"/>
+              <a:t>watch</a:t>
             </a:r>
           </a:p>
           <a:p>
@@ -3644,18 +3686,38 @@
             </a:pPr>
             <a:r>
               <a:rPr lang="en-US" sz="2000" dirty="0" smtClean="0"/>
-              <a:t>components  bootstrap cart</a:t>
-            </a:r>
-          </a:p>
-          <a:p>
-            <a:pPr marL="457200" indent="-457200">
+              <a:t>components ?</a:t>
+            </a:r>
+          </a:p>
+          <a:p>
+            <a:pPr>
               <a:buFont typeface="+mj-lt"/>
               <a:buAutoNum type="arabicPeriod"/>
             </a:pPr>
             <a:r>
+              <a:rPr lang="en-US" sz="2000" b="1" dirty="0" smtClean="0"/>
+              <a:t>HTTP with </a:t>
+            </a:r>
+            <a:r>
+              <a:rPr lang="en-US" sz="2000" b="1" dirty="0" err="1" smtClean="0"/>
+              <a:t>vue</a:t>
+            </a:r>
+            <a:r>
+              <a:rPr lang="en-US" sz="2000" b="1" dirty="0" smtClean="0"/>
+              <a:t>-resource </a:t>
+            </a:r>
+            <a:endParaRPr lang="en-US" sz="2000" b="1" dirty="0" smtClean="0"/>
+          </a:p>
+          <a:p>
+            <a:pPr>
+              <a:buFont typeface="+mj-lt"/>
+              <a:buAutoNum type="arabicPeriod"/>
+            </a:pPr>
+            <a:r>
               <a:rPr lang="en-US" sz="2000" dirty="0" smtClean="0"/>
               <a:t>project</a:t>
             </a:r>
+            <a:endParaRPr lang="en-US" sz="2000" dirty="0" smtClean="0"/>
           </a:p>
           <a:p>
             <a:endParaRPr lang="en-US" sz="1400" dirty="0" smtClean="0"/>

--- a/PPT/Vue.js  Course  layout.pptx
+++ b/PPT/Vue.js  Course  layout.pptx
@@ -3540,7 +3540,11 @@
             </a:pPr>
             <a:r>
               <a:rPr lang="en-US" sz="2000" b="1" dirty="0" smtClean="0"/>
-              <a:t>JavaScript Quick review</a:t>
+              <a:t>JavaScript Quick </a:t>
+            </a:r>
+            <a:r>
+              <a:rPr lang="en-US" sz="2000" b="1" dirty="0" smtClean="0"/>
+              <a:t>review</a:t>
             </a:r>
           </a:p>
           <a:p>
@@ -3549,21 +3553,18 @@
               <a:buAutoNum type="arabicPeriod"/>
             </a:pPr>
             <a:r>
+              <a:rPr lang="en-US" sz="2000" b="1" dirty="0" err="1" smtClean="0"/>
+              <a:t>Databindings</a:t>
+            </a:r>
+            <a:r>
               <a:rPr lang="en-US" sz="2000" b="1" dirty="0" smtClean="0"/>
-              <a:t>Conditional rendering  </a:t>
+              <a:t> Directives </a:t>
             </a:r>
             <a:r>
               <a:rPr lang="en-US" sz="2000" dirty="0" smtClean="0"/>
-              <a:t>v-if , v-else and </a:t>
-            </a:r>
-            <a:r>
-              <a:rPr lang="ar-EG" sz="2000" dirty="0" smtClean="0"/>
-              <a:t> </a:t>
-            </a:r>
-            <a:r>
-              <a:rPr lang="en-US" sz="2000" dirty="0" smtClean="0"/>
-              <a:t>v-show</a:t>
-            </a:r>
+              <a:t>v-model</a:t>
+            </a:r>
+            <a:endParaRPr lang="en-US" sz="2000" dirty="0" smtClean="0"/>
           </a:p>
           <a:p>
             <a:pPr>
@@ -3572,23 +3573,27 @@
             </a:pPr>
             <a:r>
               <a:rPr lang="en-US" sz="2000" b="1" dirty="0" smtClean="0"/>
-              <a:t>List</a:t>
+              <a:t>Conditional rendering </a:t>
+            </a:r>
+            <a:r>
+              <a:rPr lang="en-US" sz="2000" b="1" dirty="0" smtClean="0"/>
+              <a:t>Directives </a:t>
             </a:r>
             <a:r>
               <a:rPr lang="en-US" sz="2000" dirty="0" smtClean="0"/>
+              <a:t>v-if </a:t>
+            </a:r>
+            <a:r>
+              <a:rPr lang="en-US" sz="2000" dirty="0" smtClean="0"/>
+              <a:t>, v-else and </a:t>
+            </a:r>
+            <a:r>
+              <a:rPr lang="ar-EG" sz="2000" dirty="0" smtClean="0"/>
               <a:t> </a:t>
             </a:r>
             <a:r>
-              <a:rPr lang="en-US" sz="2000" b="1" dirty="0" smtClean="0"/>
-              <a:t>rendering </a:t>
-            </a:r>
-            <a:r>
-              <a:rPr lang="en-US" sz="2000" b="1" dirty="0" smtClean="0"/>
-              <a:t> </a:t>
-            </a:r>
-            <a:r>
               <a:rPr lang="en-US" sz="2000" dirty="0" smtClean="0"/>
-              <a:t>v-for</a:t>
+              <a:t>v-show</a:t>
             </a:r>
           </a:p>
           <a:p>
@@ -3598,17 +3603,24 @@
             </a:pPr>
             <a:r>
               <a:rPr lang="en-US" sz="2000" b="1" dirty="0" smtClean="0"/>
-              <a:t>Class and style </a:t>
+              <a:t>List</a:t>
+            </a:r>
+            <a:r>
+              <a:rPr lang="en-US" sz="2000" dirty="0" smtClean="0"/>
+              <a:t> </a:t>
             </a:r>
             <a:r>
               <a:rPr lang="en-US" sz="2000" b="1" dirty="0" smtClean="0"/>
-              <a:t>bindings </a:t>
+              <a:t>rendering </a:t>
+            </a:r>
+            <a:r>
+              <a:rPr lang="en-US" sz="2000" b="1" dirty="0" smtClean="0"/>
+              <a:t>Directives </a:t>
             </a:r>
             <a:r>
               <a:rPr lang="en-US" sz="2000" dirty="0" smtClean="0"/>
-              <a:t>:class and style</a:t>
-            </a:r>
-            <a:endParaRPr lang="en-US" sz="2000" dirty="0" smtClean="0"/>
+              <a:t>v-for</a:t>
+            </a:r>
           </a:p>
           <a:p>
             <a:pPr>
@@ -3617,17 +3629,20 @@
             </a:pPr>
             <a:r>
               <a:rPr lang="en-US" sz="2000" b="1" dirty="0" smtClean="0"/>
-              <a:t>Handle native DOM </a:t>
+              <a:t>Class and style bindings </a:t>
             </a:r>
             <a:r>
               <a:rPr lang="en-US" sz="2000" b="1" dirty="0" smtClean="0"/>
-              <a:t>events : </a:t>
+              <a:t>Directives </a:t>
             </a:r>
             <a:r>
               <a:rPr lang="en-US" sz="2000" dirty="0" smtClean="0"/>
-              <a:t>@click</a:t>
-            </a:r>
-            <a:endParaRPr lang="en-US" sz="2000" dirty="0" smtClean="0"/>
+              <a:t>:</a:t>
+            </a:r>
+            <a:r>
+              <a:rPr lang="en-US" sz="2000" dirty="0" smtClean="0"/>
+              <a:t>class and style</a:t>
+            </a:r>
           </a:p>
           <a:p>
             <a:pPr>
@@ -3635,8 +3650,20 @@
               <a:buAutoNum type="arabicPeriod"/>
             </a:pPr>
             <a:r>
+              <a:rPr lang="en-US" sz="2000" b="1" dirty="0" smtClean="0"/>
+              <a:t>Handle native DOM </a:t>
+            </a:r>
+            <a:r>
+              <a:rPr lang="en-US" sz="2000" b="1" dirty="0" smtClean="0"/>
+              <a:t>events Directives </a:t>
+            </a:r>
+            <a:r>
+              <a:rPr lang="en-US" sz="2000" b="1" dirty="0" smtClean="0"/>
+              <a:t>: </a:t>
+            </a:r>
+            <a:r>
               <a:rPr lang="en-US" sz="2000" dirty="0" smtClean="0"/>
-              <a:t>input binding v-model</a:t>
+              <a:t>@click</a:t>
             </a:r>
           </a:p>
           <a:p>
@@ -3645,16 +3672,24 @@
               <a:buAutoNum type="arabicPeriod"/>
             </a:pPr>
             <a:r>
+              <a:rPr lang="en-US" sz="2000" b="1" dirty="0" smtClean="0"/>
+              <a:t>computed</a:t>
+            </a:r>
+            <a:r>
               <a:rPr lang="en-US" sz="2000" dirty="0" smtClean="0"/>
-              <a:t>forms , </a:t>
+              <a:t> </a:t>
+            </a:r>
+            <a:r>
+              <a:rPr lang="en-US" sz="2000" dirty="0" smtClean="0"/>
+              <a:t>properties </a:t>
             </a:r>
             <a:r>
               <a:rPr lang="en-US" sz="2000" dirty="0" err="1" smtClean="0"/>
-              <a:t>Textarea</a:t>
+              <a:t>vs</a:t>
             </a:r>
             <a:r>
               <a:rPr lang="en-US" sz="2000" dirty="0" smtClean="0"/>
-              <a:t> , checkbox ,radio buttons</a:t>
+              <a:t> watch</a:t>
             </a:r>
           </a:p>
           <a:p>
@@ -3663,20 +3698,12 @@
               <a:buAutoNum type="arabicPeriod"/>
             </a:pPr>
             <a:r>
+              <a:rPr lang="en-US" sz="2000" b="1" dirty="0" smtClean="0"/>
+              <a:t>components</a:t>
+            </a:r>
+            <a:r>
               <a:rPr lang="en-US" sz="2000" dirty="0" smtClean="0"/>
-              <a:t>computed properties </a:t>
-            </a:r>
-            <a:r>
-              <a:rPr lang="en-US" sz="2000" dirty="0" err="1" smtClean="0"/>
-              <a:t>vs</a:t>
-            </a:r>
-            <a:r>
-              <a:rPr lang="en-US" sz="2000" dirty="0" smtClean="0"/>
-              <a:t> </a:t>
-            </a:r>
-            <a:r>
-              <a:rPr lang="en-US" sz="2000" dirty="0" smtClean="0"/>
-              <a:t>watch</a:t>
+              <a:t> ?</a:t>
             </a:r>
           </a:p>
           <a:p>
@@ -3685,8 +3712,16 @@
               <a:buAutoNum type="arabicPeriod"/>
             </a:pPr>
             <a:r>
-              <a:rPr lang="en-US" sz="2000" dirty="0" smtClean="0"/>
-              <a:t>components ?</a:t>
+              <a:rPr lang="en-US" sz="2000" b="1" dirty="0" smtClean="0"/>
+              <a:t>HTTP with </a:t>
+            </a:r>
+            <a:r>
+              <a:rPr lang="en-US" sz="2000" b="1" dirty="0" err="1" smtClean="0"/>
+              <a:t>vue</a:t>
+            </a:r>
+            <a:r>
+              <a:rPr lang="en-US" sz="2000" b="1" dirty="0" smtClean="0"/>
+              <a:t>-resource </a:t>
             </a:r>
           </a:p>
           <a:p>
@@ -3696,28 +3731,15 @@
             </a:pPr>
             <a:r>
               <a:rPr lang="en-US" sz="2000" b="1" dirty="0" smtClean="0"/>
-              <a:t>HTTP with </a:t>
-            </a:r>
-            <a:r>
-              <a:rPr lang="en-US" sz="2000" b="1" dirty="0" err="1" smtClean="0"/>
-              <a:t>vue</a:t>
-            </a:r>
-            <a:r>
-              <a:rPr lang="en-US" sz="2000" b="1" dirty="0" smtClean="0"/>
-              <a:t>-resource </a:t>
-            </a:r>
-            <a:endParaRPr lang="en-US" sz="2000" b="1" dirty="0" smtClean="0"/>
+              <a:t>Project</a:t>
+            </a:r>
           </a:p>
           <a:p>
             <a:pPr>
               <a:buFont typeface="+mj-lt"/>
               <a:buAutoNum type="arabicPeriod"/>
             </a:pPr>
-            <a:r>
-              <a:rPr lang="en-US" sz="2000" dirty="0" smtClean="0"/>
-              <a:t>project</a:t>
-            </a:r>
-            <a:endParaRPr lang="en-US" sz="2000" dirty="0" smtClean="0"/>
+            <a:endParaRPr lang="en-US" sz="2000" b="1" dirty="0" smtClean="0"/>
           </a:p>
           <a:p>
             <a:endParaRPr lang="en-US" sz="1400" dirty="0" smtClean="0"/>
